--- a/trunk/EXPO/EXPOV0.0.pptx
+++ b/trunk/EXPO/EXPOV0.0.pptx
@@ -3368,49 +3368,49 @@
     </dgm:pt>
   </dgm:ptLst>
   <dgm:cxnLst>
+    <dgm:cxn modelId="{7FEBA01A-AB82-4991-AAFA-F411669FB18F}" type="presOf" srcId="{59E50C2E-AF33-4C4C-9E96-FA17EA36CC49}" destId="{12BBFB0D-94FC-48FE-9463-A8E7C5CA6CD8}" srcOrd="0" destOrd="0" presId="urn:microsoft.com/office/officeart/2005/8/layout/hierarchy2"/>
+    <dgm:cxn modelId="{752B9DB1-6E9D-4202-9981-4ECD708D85F3}" srcId="{FA17860C-7ABB-4E51-A951-B608ED5F5B3E}" destId="{1B3ACDF5-6F77-4762-BDCE-282707419070}" srcOrd="2" destOrd="0" parTransId="{F5DAF18E-8E5C-4813-9119-FD4C402EE345}" sibTransId="{51CB4F2C-4863-4352-A425-849B62CFCE46}"/>
+    <dgm:cxn modelId="{9B20F1F2-009B-4A85-B096-B84BC9F58622}" srcId="{0AD5A35B-5415-4C53-9634-403A14EBAD74}" destId="{01B79992-9958-4974-93B7-027E874A4280}" srcOrd="0" destOrd="0" parTransId="{B4ABFBBB-F83D-4680-8AA9-2508B6554452}" sibTransId="{5494E3B0-E6EB-43EA-B550-BF8AD912BE18}"/>
+    <dgm:cxn modelId="{6BF66D4F-BF68-461C-B243-44C44E44A204}" type="presOf" srcId="{F5DAF18E-8E5C-4813-9119-FD4C402EE345}" destId="{54186F7B-5B4E-4793-9100-B76415104596}" srcOrd="0" destOrd="0" presId="urn:microsoft.com/office/officeart/2005/8/layout/hierarchy2"/>
+    <dgm:cxn modelId="{E0834C8F-877E-4ED0-A49F-888DB105C675}" srcId="{0AD5A35B-5415-4C53-9634-403A14EBAD74}" destId="{0301766C-B00D-44D6-BFC5-9F8F523D3796}" srcOrd="1" destOrd="0" parTransId="{59E50C2E-AF33-4C4C-9E96-FA17EA36CC49}" sibTransId="{B3FB399B-8530-4B83-AB52-B271353F640E}"/>
+    <dgm:cxn modelId="{308B931D-F7CD-4A60-BEF0-3AB6754A9974}" type="presOf" srcId="{832816B4-7379-4BD7-9312-D6F5572EFA23}" destId="{920BDF9A-2A64-4291-9B16-AB669602007D}" srcOrd="0" destOrd="0" presId="urn:microsoft.com/office/officeart/2005/8/layout/hierarchy2"/>
+    <dgm:cxn modelId="{3DA9B370-17E1-4B9E-83F5-AE0EC71DDB86}" type="presOf" srcId="{80CD7F15-5460-4C71-BAC7-87332E45F564}" destId="{5227578E-9A65-4562-B0FC-C091DE4D2B22}" srcOrd="0" destOrd="0" presId="urn:microsoft.com/office/officeart/2005/8/layout/hierarchy2"/>
+    <dgm:cxn modelId="{F06C3D4F-0AEE-4476-9B18-9BD806830891}" type="presOf" srcId="{1B3ACDF5-6F77-4762-BDCE-282707419070}" destId="{7D95B9E7-359D-446D-B563-823991124B18}" srcOrd="0" destOrd="0" presId="urn:microsoft.com/office/officeart/2005/8/layout/hierarchy2"/>
+    <dgm:cxn modelId="{0EA36C53-30DA-410E-B8BE-C1C1C4464860}" type="presOf" srcId="{0AD5A35B-5415-4C53-9634-403A14EBAD74}" destId="{D96D8B66-EDA1-46C2-9A23-82854372F254}" srcOrd="0" destOrd="0" presId="urn:microsoft.com/office/officeart/2005/8/layout/hierarchy2"/>
+    <dgm:cxn modelId="{36B3F3BB-2F77-480D-8901-ED640A441720}" srcId="{0AD5A35B-5415-4C53-9634-403A14EBAD74}" destId="{FA17860C-7ABB-4E51-A951-B608ED5F5B3E}" srcOrd="2" destOrd="0" parTransId="{D2C2F2EE-8DF8-48EA-B91B-24EDACAA5A8B}" sibTransId="{ED78D671-6906-4483-88DF-C70F6A34071E}"/>
+    <dgm:cxn modelId="{68468D76-9F85-44E5-AD6A-4DA7F1A2A27C}" type="presOf" srcId="{B4ABFBBB-F83D-4680-8AA9-2508B6554452}" destId="{8AD56A19-394D-4CE0-8A3D-233C3EE50738}" srcOrd="1" destOrd="0" presId="urn:microsoft.com/office/officeart/2005/8/layout/hierarchy2"/>
+    <dgm:cxn modelId="{09E301C3-FA71-4A9A-8715-6DF5FDC13C86}" type="presOf" srcId="{64D0626D-810B-440D-A46D-7CD1F7356AA9}" destId="{826B06DB-CAFA-4F2B-98CE-C9B1FB48D958}" srcOrd="1" destOrd="0" presId="urn:microsoft.com/office/officeart/2005/8/layout/hierarchy2"/>
+    <dgm:cxn modelId="{EF74F14C-FD3D-44CA-9384-43E21D8D05AF}" type="presOf" srcId="{603F7119-1C93-4828-8D7E-A6655BDDD47B}" destId="{4FC46D64-BE9D-4E8E-AA78-8747FBCB6CFA}" srcOrd="0" destOrd="0" presId="urn:microsoft.com/office/officeart/2005/8/layout/hierarchy2"/>
+    <dgm:cxn modelId="{E21B55E3-2BC9-4886-B241-1DC783D98D63}" type="presOf" srcId="{A068B373-1D50-418C-986B-69845D2D9636}" destId="{DE2A9ABE-C441-42AC-9EB2-DE57C6B94518}" srcOrd="0" destOrd="0" presId="urn:microsoft.com/office/officeart/2005/8/layout/hierarchy2"/>
+    <dgm:cxn modelId="{CB84137D-EB9C-49E0-8992-D82D29B940DE}" type="presOf" srcId="{C96675FD-8862-4CCD-A4A9-09D5F65CE98D}" destId="{084296C9-4A11-43CC-8CE4-8357D836AFE6}" srcOrd="0" destOrd="0" presId="urn:microsoft.com/office/officeart/2005/8/layout/hierarchy2"/>
+    <dgm:cxn modelId="{B2B2F606-A873-4D51-B5CF-AC0609CB3E70}" type="presOf" srcId="{976A95C1-F58B-4712-AB0B-E138C72824A4}" destId="{7E6D9ADF-9FB0-452A-B003-49362DD9BB0E}" srcOrd="1" destOrd="0" presId="urn:microsoft.com/office/officeart/2005/8/layout/hierarchy2"/>
+    <dgm:cxn modelId="{8C669B3E-E0BB-4603-B648-84F27CDF449F}" type="presOf" srcId="{F5DAF18E-8E5C-4813-9119-FD4C402EE345}" destId="{3791C706-954A-4761-90D4-5CC1B21FC900}" srcOrd="1" destOrd="0" presId="urn:microsoft.com/office/officeart/2005/8/layout/hierarchy2"/>
     <dgm:cxn modelId="{F188346E-018F-4697-A9BD-802D0D5DB302}" type="presOf" srcId="{832816B4-7379-4BD7-9312-D6F5572EFA23}" destId="{20118D9A-9080-44BF-9124-2FAD7D184B1A}" srcOrd="1" destOrd="0" presId="urn:microsoft.com/office/officeart/2005/8/layout/hierarchy2"/>
-    <dgm:cxn modelId="{7FEBA01A-AB82-4991-AAFA-F411669FB18F}" type="presOf" srcId="{59E50C2E-AF33-4C4C-9E96-FA17EA36CC49}" destId="{12BBFB0D-94FC-48FE-9463-A8E7C5CA6CD8}" srcOrd="0" destOrd="0" presId="urn:microsoft.com/office/officeart/2005/8/layout/hierarchy2"/>
+    <dgm:cxn modelId="{F513D36D-9C37-4D6F-B6B0-4CD78E0B0D51}" type="presOf" srcId="{0320A24D-AFF3-42A5-BA7C-5EDE79B44B45}" destId="{FFD66738-856F-4BD5-8D6A-91B9B6CA94AE}" srcOrd="0" destOrd="0" presId="urn:microsoft.com/office/officeart/2005/8/layout/hierarchy2"/>
+    <dgm:cxn modelId="{AC125D8D-1F02-4E5F-98C1-1DA106FE1466}" srcId="{0301766C-B00D-44D6-BFC5-9F8F523D3796}" destId="{C96675FD-8862-4CCD-A4A9-09D5F65CE98D}" srcOrd="0" destOrd="0" parTransId="{976A95C1-F58B-4712-AB0B-E138C72824A4}" sibTransId="{958280C5-6BD1-4EFC-83BB-94B5FC007EE3}"/>
+    <dgm:cxn modelId="{444FA68C-C67F-42FC-88A8-863128582B93}" type="presOf" srcId="{05DE5F5D-0178-41AD-85A8-0EFA5E42E4A8}" destId="{1A2542C3-F0B2-4EA9-973A-AF6AC70D8FB8}" srcOrd="1" destOrd="0" presId="urn:microsoft.com/office/officeart/2005/8/layout/hierarchy2"/>
+    <dgm:cxn modelId="{A968953F-CDB9-435E-8622-B7832ACB4AEF}" type="presOf" srcId="{CB4AAACA-9376-4602-BE43-64A36670E569}" destId="{FE340301-59D9-4F7E-B9EE-DE9603659CAD}" srcOrd="0" destOrd="0" presId="urn:microsoft.com/office/officeart/2005/8/layout/hierarchy2"/>
+    <dgm:cxn modelId="{60900918-3E35-48B6-823C-FE83B4F453D1}" type="presOf" srcId="{A068B373-1D50-418C-986B-69845D2D9636}" destId="{C0B68DB1-E7D1-4B31-A42C-B036DDF24608}" srcOrd="1" destOrd="0" presId="urn:microsoft.com/office/officeart/2005/8/layout/hierarchy2"/>
+    <dgm:cxn modelId="{22212AE5-739A-40CF-B657-C7BA679D1F01}" type="presOf" srcId="{B4ABFBBB-F83D-4680-8AA9-2508B6554452}" destId="{E6096242-2F17-478F-98D2-6DFA7888BB7A}" srcOrd="0" destOrd="0" presId="urn:microsoft.com/office/officeart/2005/8/layout/hierarchy2"/>
+    <dgm:cxn modelId="{1871AA0E-3EDA-4B84-8C52-DB0973289F55}" type="presOf" srcId="{D2C2F2EE-8DF8-48EA-B91B-24EDACAA5A8B}" destId="{E4AEE3BC-2332-457F-AA33-92363B26FBEA}" srcOrd="1" destOrd="0" presId="urn:microsoft.com/office/officeart/2005/8/layout/hierarchy2"/>
     <dgm:cxn modelId="{AF84F6D7-1644-49EA-B8E1-93797173F6A4}" type="presOf" srcId="{FA17860C-7ABB-4E51-A951-B608ED5F5B3E}" destId="{0BD1BF70-C7DC-47A7-B579-BB185605C777}" srcOrd="0" destOrd="0" presId="urn:microsoft.com/office/officeart/2005/8/layout/hierarchy2"/>
-    <dgm:cxn modelId="{3DA9B370-17E1-4B9E-83F5-AE0EC71DDB86}" type="presOf" srcId="{80CD7F15-5460-4C71-BAC7-87332E45F564}" destId="{5227578E-9A65-4562-B0FC-C091DE4D2B22}" srcOrd="0" destOrd="0" presId="urn:microsoft.com/office/officeart/2005/8/layout/hierarchy2"/>
+    <dgm:cxn modelId="{0474D4DB-1252-4635-9C18-774901A1CF2F}" type="presOf" srcId="{59E50C2E-AF33-4C4C-9E96-FA17EA36CC49}" destId="{B12136AA-7DEE-4ED6-BE3A-3FF768996932}" srcOrd="1" destOrd="0" presId="urn:microsoft.com/office/officeart/2005/8/layout/hierarchy2"/>
+    <dgm:cxn modelId="{772AAAB1-67E3-4E8B-A1F0-AE94A78D593B}" type="presOf" srcId="{64D0626D-810B-440D-A46D-7CD1F7356AA9}" destId="{6F931BD7-C766-40F0-8293-AC393BBC3B67}" srcOrd="0" destOrd="0" presId="urn:microsoft.com/office/officeart/2005/8/layout/hierarchy2"/>
+    <dgm:cxn modelId="{1F0ED2BF-C201-4029-86EA-5B4607378B1A}" srcId="{01B79992-9958-4974-93B7-027E874A4280}" destId="{603F7119-1C93-4828-8D7E-A6655BDDD47B}" srcOrd="0" destOrd="0" parTransId="{A068B373-1D50-418C-986B-69845D2D9636}" sibTransId="{B02FAD94-5551-4B53-B3FC-B25AB9F7F035}"/>
+    <dgm:cxn modelId="{87CE9ACC-F6CE-4445-9BCA-3A351EC4CB60}" srcId="{01B79992-9958-4974-93B7-027E874A4280}" destId="{187DC085-2681-4C42-B273-6B6D48BE0DBE}" srcOrd="1" destOrd="0" parTransId="{64D0626D-810B-440D-A46D-7CD1F7356AA9}" sibTransId="{52E58A89-07B9-4DED-BDDB-E6B1D6CAFD4C}"/>
+    <dgm:cxn modelId="{9C6BCD5F-384E-4D74-9FE0-CA8A47D69240}" srcId="{FA17860C-7ABB-4E51-A951-B608ED5F5B3E}" destId="{CB4AAACA-9376-4602-BE43-64A36670E569}" srcOrd="0" destOrd="0" parTransId="{832816B4-7379-4BD7-9312-D6F5572EFA23}" sibTransId="{55561700-8AEC-4246-8FF6-EF635DD1A4E7}"/>
+    <dgm:cxn modelId="{39B940C9-AA23-4D6B-8E7C-97788355BFFC}" type="presOf" srcId="{200D7917-EC67-4A7C-99E7-0A6DD98149DC}" destId="{30B28498-9AD2-4D36-BD6D-FFA3CA031FD7}" srcOrd="1" destOrd="0" presId="urn:microsoft.com/office/officeart/2005/8/layout/hierarchy2"/>
+    <dgm:cxn modelId="{C142B721-A7BF-4BD8-B484-25134725D31E}" type="presOf" srcId="{05DE5F5D-0178-41AD-85A8-0EFA5E42E4A8}" destId="{BACA1FF6-369D-472E-9D66-FCC9A1DA127F}" srcOrd="0" destOrd="0" presId="urn:microsoft.com/office/officeart/2005/8/layout/hierarchy2"/>
+    <dgm:cxn modelId="{6FF78FDB-451D-4B7A-800B-7551E26B9743}" srcId="{0320A24D-AFF3-42A5-BA7C-5EDE79B44B45}" destId="{0AD5A35B-5415-4C53-9634-403A14EBAD74}" srcOrd="0" destOrd="0" parTransId="{4A026C74-26D9-4B06-A536-5B6C6AB634BC}" sibTransId="{C2CE1B90-5037-431A-A807-36C96B435542}"/>
     <dgm:cxn modelId="{7E077012-61E8-4894-A21D-A00BF3694F01}" type="presOf" srcId="{0301766C-B00D-44D6-BFC5-9F8F523D3796}" destId="{67601C7B-82C3-4221-BD2E-AE316898EA4F}" srcOrd="0" destOrd="0" presId="urn:microsoft.com/office/officeart/2005/8/layout/hierarchy2"/>
-    <dgm:cxn modelId="{39B940C9-AA23-4D6B-8E7C-97788355BFFC}" type="presOf" srcId="{200D7917-EC67-4A7C-99E7-0A6DD98149DC}" destId="{30B28498-9AD2-4D36-BD6D-FFA3CA031FD7}" srcOrd="1" destOrd="0" presId="urn:microsoft.com/office/officeart/2005/8/layout/hierarchy2"/>
+    <dgm:cxn modelId="{563D137B-50BC-4ACA-86B4-7F59E583A1D6}" srcId="{0301766C-B00D-44D6-BFC5-9F8F523D3796}" destId="{80CD7F15-5460-4C71-BAC7-87332E45F564}" srcOrd="1" destOrd="0" parTransId="{200D7917-EC67-4A7C-99E7-0A6DD98149DC}" sibTransId="{F117CAC7-C1B1-4954-8AC7-D250C7DE7342}"/>
     <dgm:cxn modelId="{2A796787-2240-495B-97D1-606AC201CAD0}" type="presOf" srcId="{976A95C1-F58B-4712-AB0B-E138C72824A4}" destId="{73BA0B4D-CFD3-4634-A0AA-4E46AF3B934A}" srcOrd="0" destOrd="0" presId="urn:microsoft.com/office/officeart/2005/8/layout/hierarchy2"/>
+    <dgm:cxn modelId="{AF547B19-560F-4A23-BA92-63F4B023F611}" type="presOf" srcId="{01B79992-9958-4974-93B7-027E874A4280}" destId="{4E587B0C-3C8D-4EB0-A3AA-F15FDE230624}" srcOrd="0" destOrd="0" presId="urn:microsoft.com/office/officeart/2005/8/layout/hierarchy2"/>
+    <dgm:cxn modelId="{E0986DBE-AF0A-437C-9623-1AC2C4F8F980}" type="presOf" srcId="{187DC085-2681-4C42-B273-6B6D48BE0DBE}" destId="{08BB3F97-FEFD-4531-97FD-5E4A1CBA8E13}" srcOrd="0" destOrd="0" presId="urn:microsoft.com/office/officeart/2005/8/layout/hierarchy2"/>
+    <dgm:cxn modelId="{AA71EAC8-F410-48B6-8FE8-478FD4DE559F}" type="presOf" srcId="{D2C2F2EE-8DF8-48EA-B91B-24EDACAA5A8B}" destId="{EB581290-F869-4636-93EA-87BDB6056491}" srcOrd="0" destOrd="0" presId="urn:microsoft.com/office/officeart/2005/8/layout/hierarchy2"/>
+    <dgm:cxn modelId="{F2CE4FE8-2DD4-4E26-84E4-A5D35212914E}" srcId="{FA17860C-7ABB-4E51-A951-B608ED5F5B3E}" destId="{27B2F3D2-D405-464C-867B-FCFCE57512D5}" srcOrd="1" destOrd="0" parTransId="{05DE5F5D-0178-41AD-85A8-0EFA5E42E4A8}" sibTransId="{BD825453-437B-4192-9FA3-B35D8B55D29C}"/>
+    <dgm:cxn modelId="{30F43326-87AD-42D6-81F9-D3A97036086E}" type="presOf" srcId="{27B2F3D2-D405-464C-867B-FCFCE57512D5}" destId="{A1B83E83-35C7-4FDC-A0CA-514478285C3D}" srcOrd="0" destOrd="0" presId="urn:microsoft.com/office/officeart/2005/8/layout/hierarchy2"/>
     <dgm:cxn modelId="{914DCE86-CBA4-4F63-A711-2A0E69DC6BFF}" type="presOf" srcId="{200D7917-EC67-4A7C-99E7-0A6DD98149DC}" destId="{5310B273-3251-47A1-AC40-7AD37E18309E}" srcOrd="0" destOrd="0" presId="urn:microsoft.com/office/officeart/2005/8/layout/hierarchy2"/>
-    <dgm:cxn modelId="{772AAAB1-67E3-4E8B-A1F0-AE94A78D593B}" type="presOf" srcId="{64D0626D-810B-440D-A46D-7CD1F7356AA9}" destId="{6F931BD7-C766-40F0-8293-AC393BBC3B67}" srcOrd="0" destOrd="0" presId="urn:microsoft.com/office/officeart/2005/8/layout/hierarchy2"/>
-    <dgm:cxn modelId="{68468D76-9F85-44E5-AD6A-4DA7F1A2A27C}" type="presOf" srcId="{B4ABFBBB-F83D-4680-8AA9-2508B6554452}" destId="{8AD56A19-394D-4CE0-8A3D-233C3EE50738}" srcOrd="1" destOrd="0" presId="urn:microsoft.com/office/officeart/2005/8/layout/hierarchy2"/>
-    <dgm:cxn modelId="{AC125D8D-1F02-4E5F-98C1-1DA106FE1466}" srcId="{0301766C-B00D-44D6-BFC5-9F8F523D3796}" destId="{C96675FD-8862-4CCD-A4A9-09D5F65CE98D}" srcOrd="0" destOrd="0" parTransId="{976A95C1-F58B-4712-AB0B-E138C72824A4}" sibTransId="{958280C5-6BD1-4EFC-83BB-94B5FC007EE3}"/>
-    <dgm:cxn modelId="{B2B2F606-A873-4D51-B5CF-AC0609CB3E70}" type="presOf" srcId="{976A95C1-F58B-4712-AB0B-E138C72824A4}" destId="{7E6D9ADF-9FB0-452A-B003-49362DD9BB0E}" srcOrd="1" destOrd="0" presId="urn:microsoft.com/office/officeart/2005/8/layout/hierarchy2"/>
-    <dgm:cxn modelId="{A968953F-CDB9-435E-8622-B7832ACB4AEF}" type="presOf" srcId="{CB4AAACA-9376-4602-BE43-64A36670E569}" destId="{FE340301-59D9-4F7E-B9EE-DE9603659CAD}" srcOrd="0" destOrd="0" presId="urn:microsoft.com/office/officeart/2005/8/layout/hierarchy2"/>
-    <dgm:cxn modelId="{C142B721-A7BF-4BD8-B484-25134725D31E}" type="presOf" srcId="{05DE5F5D-0178-41AD-85A8-0EFA5E42E4A8}" destId="{BACA1FF6-369D-472E-9D66-FCC9A1DA127F}" srcOrd="0" destOrd="0" presId="urn:microsoft.com/office/officeart/2005/8/layout/hierarchy2"/>
-    <dgm:cxn modelId="{36B3F3BB-2F77-480D-8901-ED640A441720}" srcId="{0AD5A35B-5415-4C53-9634-403A14EBAD74}" destId="{FA17860C-7ABB-4E51-A951-B608ED5F5B3E}" srcOrd="2" destOrd="0" parTransId="{D2C2F2EE-8DF8-48EA-B91B-24EDACAA5A8B}" sibTransId="{ED78D671-6906-4483-88DF-C70F6A34071E}"/>
-    <dgm:cxn modelId="{09E301C3-FA71-4A9A-8715-6DF5FDC13C86}" type="presOf" srcId="{64D0626D-810B-440D-A46D-7CD1F7356AA9}" destId="{826B06DB-CAFA-4F2B-98CE-C9B1FB48D958}" srcOrd="1" destOrd="0" presId="urn:microsoft.com/office/officeart/2005/8/layout/hierarchy2"/>
-    <dgm:cxn modelId="{6FF78FDB-451D-4B7A-800B-7551E26B9743}" srcId="{0320A24D-AFF3-42A5-BA7C-5EDE79B44B45}" destId="{0AD5A35B-5415-4C53-9634-403A14EBAD74}" srcOrd="0" destOrd="0" parTransId="{4A026C74-26D9-4B06-A536-5B6C6AB634BC}" sibTransId="{C2CE1B90-5037-431A-A807-36C96B435542}"/>
-    <dgm:cxn modelId="{AF547B19-560F-4A23-BA92-63F4B023F611}" type="presOf" srcId="{01B79992-9958-4974-93B7-027E874A4280}" destId="{4E587B0C-3C8D-4EB0-A3AA-F15FDE230624}" srcOrd="0" destOrd="0" presId="urn:microsoft.com/office/officeart/2005/8/layout/hierarchy2"/>
-    <dgm:cxn modelId="{8C669B3E-E0BB-4603-B648-84F27CDF449F}" type="presOf" srcId="{F5DAF18E-8E5C-4813-9119-FD4C402EE345}" destId="{3791C706-954A-4761-90D4-5CC1B21FC900}" srcOrd="1" destOrd="0" presId="urn:microsoft.com/office/officeart/2005/8/layout/hierarchy2"/>
-    <dgm:cxn modelId="{CB84137D-EB9C-49E0-8992-D82D29B940DE}" type="presOf" srcId="{C96675FD-8862-4CCD-A4A9-09D5F65CE98D}" destId="{084296C9-4A11-43CC-8CE4-8357D836AFE6}" srcOrd="0" destOrd="0" presId="urn:microsoft.com/office/officeart/2005/8/layout/hierarchy2"/>
-    <dgm:cxn modelId="{E0834C8F-877E-4ED0-A49F-888DB105C675}" srcId="{0AD5A35B-5415-4C53-9634-403A14EBAD74}" destId="{0301766C-B00D-44D6-BFC5-9F8F523D3796}" srcOrd="1" destOrd="0" parTransId="{59E50C2E-AF33-4C4C-9E96-FA17EA36CC49}" sibTransId="{B3FB399B-8530-4B83-AB52-B271353F640E}"/>
-    <dgm:cxn modelId="{1871AA0E-3EDA-4B84-8C52-DB0973289F55}" type="presOf" srcId="{D2C2F2EE-8DF8-48EA-B91B-24EDACAA5A8B}" destId="{E4AEE3BC-2332-457F-AA33-92363B26FBEA}" srcOrd="1" destOrd="0" presId="urn:microsoft.com/office/officeart/2005/8/layout/hierarchy2"/>
-    <dgm:cxn modelId="{60900918-3E35-48B6-823C-FE83B4F453D1}" type="presOf" srcId="{A068B373-1D50-418C-986B-69845D2D9636}" destId="{C0B68DB1-E7D1-4B31-A42C-B036DDF24608}" srcOrd="1" destOrd="0" presId="urn:microsoft.com/office/officeart/2005/8/layout/hierarchy2"/>
-    <dgm:cxn modelId="{E21B55E3-2BC9-4886-B241-1DC783D98D63}" type="presOf" srcId="{A068B373-1D50-418C-986B-69845D2D9636}" destId="{DE2A9ABE-C441-42AC-9EB2-DE57C6B94518}" srcOrd="0" destOrd="0" presId="urn:microsoft.com/office/officeart/2005/8/layout/hierarchy2"/>
-    <dgm:cxn modelId="{444FA68C-C67F-42FC-88A8-863128582B93}" type="presOf" srcId="{05DE5F5D-0178-41AD-85A8-0EFA5E42E4A8}" destId="{1A2542C3-F0B2-4EA9-973A-AF6AC70D8FB8}" srcOrd="1" destOrd="0" presId="urn:microsoft.com/office/officeart/2005/8/layout/hierarchy2"/>
-    <dgm:cxn modelId="{87CE9ACC-F6CE-4445-9BCA-3A351EC4CB60}" srcId="{01B79992-9958-4974-93B7-027E874A4280}" destId="{187DC085-2681-4C42-B273-6B6D48BE0DBE}" srcOrd="1" destOrd="0" parTransId="{64D0626D-810B-440D-A46D-7CD1F7356AA9}" sibTransId="{52E58A89-07B9-4DED-BDDB-E6B1D6CAFD4C}"/>
-    <dgm:cxn modelId="{22212AE5-739A-40CF-B657-C7BA679D1F01}" type="presOf" srcId="{B4ABFBBB-F83D-4680-8AA9-2508B6554452}" destId="{E6096242-2F17-478F-98D2-6DFA7888BB7A}" srcOrd="0" destOrd="0" presId="urn:microsoft.com/office/officeart/2005/8/layout/hierarchy2"/>
-    <dgm:cxn modelId="{E0986DBE-AF0A-437C-9623-1AC2C4F8F980}" type="presOf" srcId="{187DC085-2681-4C42-B273-6B6D48BE0DBE}" destId="{08BB3F97-FEFD-4531-97FD-5E4A1CBA8E13}" srcOrd="0" destOrd="0" presId="urn:microsoft.com/office/officeart/2005/8/layout/hierarchy2"/>
-    <dgm:cxn modelId="{F513D36D-9C37-4D6F-B6B0-4CD78E0B0D51}" type="presOf" srcId="{0320A24D-AFF3-42A5-BA7C-5EDE79B44B45}" destId="{FFD66738-856F-4BD5-8D6A-91B9B6CA94AE}" srcOrd="0" destOrd="0" presId="urn:microsoft.com/office/officeart/2005/8/layout/hierarchy2"/>
-    <dgm:cxn modelId="{EF74F14C-FD3D-44CA-9384-43E21D8D05AF}" type="presOf" srcId="{603F7119-1C93-4828-8D7E-A6655BDDD47B}" destId="{4FC46D64-BE9D-4E8E-AA78-8747FBCB6CFA}" srcOrd="0" destOrd="0" presId="urn:microsoft.com/office/officeart/2005/8/layout/hierarchy2"/>
-    <dgm:cxn modelId="{0EA36C53-30DA-410E-B8BE-C1C1C4464860}" type="presOf" srcId="{0AD5A35B-5415-4C53-9634-403A14EBAD74}" destId="{D96D8B66-EDA1-46C2-9A23-82854372F254}" srcOrd="0" destOrd="0" presId="urn:microsoft.com/office/officeart/2005/8/layout/hierarchy2"/>
-    <dgm:cxn modelId="{9B20F1F2-009B-4A85-B096-B84BC9F58622}" srcId="{0AD5A35B-5415-4C53-9634-403A14EBAD74}" destId="{01B79992-9958-4974-93B7-027E874A4280}" srcOrd="0" destOrd="0" parTransId="{B4ABFBBB-F83D-4680-8AA9-2508B6554452}" sibTransId="{5494E3B0-E6EB-43EA-B550-BF8AD912BE18}"/>
-    <dgm:cxn modelId="{308B931D-F7CD-4A60-BEF0-3AB6754A9974}" type="presOf" srcId="{832816B4-7379-4BD7-9312-D6F5572EFA23}" destId="{920BDF9A-2A64-4291-9B16-AB669602007D}" srcOrd="0" destOrd="0" presId="urn:microsoft.com/office/officeart/2005/8/layout/hierarchy2"/>
-    <dgm:cxn modelId="{F06C3D4F-0AEE-4476-9B18-9BD806830891}" type="presOf" srcId="{1B3ACDF5-6F77-4762-BDCE-282707419070}" destId="{7D95B9E7-359D-446D-B563-823991124B18}" srcOrd="0" destOrd="0" presId="urn:microsoft.com/office/officeart/2005/8/layout/hierarchy2"/>
-    <dgm:cxn modelId="{30F43326-87AD-42D6-81F9-D3A97036086E}" type="presOf" srcId="{27B2F3D2-D405-464C-867B-FCFCE57512D5}" destId="{A1B83E83-35C7-4FDC-A0CA-514478285C3D}" srcOrd="0" destOrd="0" presId="urn:microsoft.com/office/officeart/2005/8/layout/hierarchy2"/>
-    <dgm:cxn modelId="{752B9DB1-6E9D-4202-9981-4ECD708D85F3}" srcId="{FA17860C-7ABB-4E51-A951-B608ED5F5B3E}" destId="{1B3ACDF5-6F77-4762-BDCE-282707419070}" srcOrd="2" destOrd="0" parTransId="{F5DAF18E-8E5C-4813-9119-FD4C402EE345}" sibTransId="{51CB4F2C-4863-4352-A425-849B62CFCE46}"/>
-    <dgm:cxn modelId="{9C6BCD5F-384E-4D74-9FE0-CA8A47D69240}" srcId="{FA17860C-7ABB-4E51-A951-B608ED5F5B3E}" destId="{CB4AAACA-9376-4602-BE43-64A36670E569}" srcOrd="0" destOrd="0" parTransId="{832816B4-7379-4BD7-9312-D6F5572EFA23}" sibTransId="{55561700-8AEC-4246-8FF6-EF635DD1A4E7}"/>
-    <dgm:cxn modelId="{F2CE4FE8-2DD4-4E26-84E4-A5D35212914E}" srcId="{FA17860C-7ABB-4E51-A951-B608ED5F5B3E}" destId="{27B2F3D2-D405-464C-867B-FCFCE57512D5}" srcOrd="1" destOrd="0" parTransId="{05DE5F5D-0178-41AD-85A8-0EFA5E42E4A8}" sibTransId="{BD825453-437B-4192-9FA3-B35D8B55D29C}"/>
-    <dgm:cxn modelId="{6BF66D4F-BF68-461C-B243-44C44E44A204}" type="presOf" srcId="{F5DAF18E-8E5C-4813-9119-FD4C402EE345}" destId="{54186F7B-5B4E-4793-9100-B76415104596}" srcOrd="0" destOrd="0" presId="urn:microsoft.com/office/officeart/2005/8/layout/hierarchy2"/>
-    <dgm:cxn modelId="{AA71EAC8-F410-48B6-8FE8-478FD4DE559F}" type="presOf" srcId="{D2C2F2EE-8DF8-48EA-B91B-24EDACAA5A8B}" destId="{EB581290-F869-4636-93EA-87BDB6056491}" srcOrd="0" destOrd="0" presId="urn:microsoft.com/office/officeart/2005/8/layout/hierarchy2"/>
-    <dgm:cxn modelId="{563D137B-50BC-4ACA-86B4-7F59E583A1D6}" srcId="{0301766C-B00D-44D6-BFC5-9F8F523D3796}" destId="{80CD7F15-5460-4C71-BAC7-87332E45F564}" srcOrd="1" destOrd="0" parTransId="{200D7917-EC67-4A7C-99E7-0A6DD98149DC}" sibTransId="{F117CAC7-C1B1-4954-8AC7-D250C7DE7342}"/>
-    <dgm:cxn modelId="{0474D4DB-1252-4635-9C18-774901A1CF2F}" type="presOf" srcId="{59E50C2E-AF33-4C4C-9E96-FA17EA36CC49}" destId="{B12136AA-7DEE-4ED6-BE3A-3FF768996932}" srcOrd="1" destOrd="0" presId="urn:microsoft.com/office/officeart/2005/8/layout/hierarchy2"/>
-    <dgm:cxn modelId="{1F0ED2BF-C201-4029-86EA-5B4607378B1A}" srcId="{01B79992-9958-4974-93B7-027E874A4280}" destId="{603F7119-1C93-4828-8D7E-A6655BDDD47B}" srcOrd="0" destOrd="0" parTransId="{A068B373-1D50-418C-986B-69845D2D9636}" sibTransId="{B02FAD94-5551-4B53-B3FC-B25AB9F7F035}"/>
     <dgm:cxn modelId="{279ECBB0-36DB-4963-88F7-D97BE1257389}" type="presParOf" srcId="{FFD66738-856F-4BD5-8D6A-91B9B6CA94AE}" destId="{C2C71D7B-18F6-414F-8028-7616D3E4E529}" srcOrd="0" destOrd="0" presId="urn:microsoft.com/office/officeart/2005/8/layout/hierarchy2"/>
     <dgm:cxn modelId="{B440C459-166D-47CE-AA63-6400F908C16F}" type="presParOf" srcId="{C2C71D7B-18F6-414F-8028-7616D3E4E529}" destId="{D96D8B66-EDA1-46C2-9A23-82854372F254}" srcOrd="0" destOrd="0" presId="urn:microsoft.com/office/officeart/2005/8/layout/hierarchy2"/>
     <dgm:cxn modelId="{0EFDE189-47BC-4861-BD7D-522A9E564BD5}" type="presParOf" srcId="{C2C71D7B-18F6-414F-8028-7616D3E4E529}" destId="{C9542F41-2D32-4BC2-B5C5-E11C531A63CB}" srcOrd="1" destOrd="0" presId="urn:microsoft.com/office/officeart/2005/8/layout/hierarchy2"/>
@@ -9065,6 +9065,7 @@
           <a:p>
             <a:fld id="{85507B79-53C2-4C79-923E-F46E14D93592}" type="datetimeFigureOut">
               <a:rPr lang="es-CO" smtClean="0"/>
+              <a:pPr/>
               <a:t>01/03/2010</a:t>
             </a:fld>
             <a:endParaRPr lang="es-CO"/>
@@ -9811,6 +9812,7 @@
           <a:p>
             <a:fld id="{CF502DEA-60A9-45E7-8F0A-ECB26F585F67}" type="slidenum">
               <a:rPr lang="es-CO" smtClean="0"/>
+              <a:pPr/>
               <a:t>‹#›</a:t>
             </a:fld>
             <a:endParaRPr lang="es-CO"/>
@@ -9934,6 +9936,7 @@
           <a:p>
             <a:fld id="{85507B79-53C2-4C79-923E-F46E14D93592}" type="datetimeFigureOut">
               <a:rPr lang="es-CO" smtClean="0"/>
+              <a:pPr/>
               <a:t>01/03/2010</a:t>
             </a:fld>
             <a:endParaRPr lang="es-CO"/>
@@ -9976,6 +9979,7 @@
           <a:p>
             <a:fld id="{CF502DEA-60A9-45E7-8F0A-ECB26F585F67}" type="slidenum">
               <a:rPr lang="es-CO" smtClean="0"/>
+              <a:pPr/>
               <a:t>‹#›</a:t>
             </a:fld>
             <a:endParaRPr lang="es-CO"/>
@@ -10109,6 +10113,7 @@
           <a:p>
             <a:fld id="{85507B79-53C2-4C79-923E-F46E14D93592}" type="datetimeFigureOut">
               <a:rPr lang="es-CO" smtClean="0"/>
+              <a:pPr/>
               <a:t>01/03/2010</a:t>
             </a:fld>
             <a:endParaRPr lang="es-CO"/>
@@ -10151,6 +10156,7 @@
           <a:p>
             <a:fld id="{CF502DEA-60A9-45E7-8F0A-ECB26F585F67}" type="slidenum">
               <a:rPr lang="es-CO" smtClean="0"/>
+              <a:pPr/>
               <a:t>‹#›</a:t>
             </a:fld>
             <a:endParaRPr lang="es-CO"/>
@@ -10279,6 +10285,7 @@
           <a:p>
             <a:fld id="{85507B79-53C2-4C79-923E-F46E14D93592}" type="datetimeFigureOut">
               <a:rPr lang="es-CO" smtClean="0"/>
+              <a:pPr/>
               <a:t>01/03/2010</a:t>
             </a:fld>
             <a:endParaRPr lang="es-CO"/>
@@ -10302,6 +10309,7 @@
           <a:p>
             <a:fld id="{CF502DEA-60A9-45E7-8F0A-ECB26F585F67}" type="slidenum">
               <a:rPr lang="es-CO" smtClean="0"/>
+              <a:pPr/>
               <a:t>‹#›</a:t>
             </a:fld>
             <a:endParaRPr lang="es-CO"/>
@@ -10489,6 +10497,7 @@
           <a:p>
             <a:fld id="{85507B79-53C2-4C79-923E-F46E14D93592}" type="datetimeFigureOut">
               <a:rPr lang="es-CO" smtClean="0"/>
+              <a:pPr/>
               <a:t>01/03/2010</a:t>
             </a:fld>
             <a:endParaRPr lang="es-CO"/>
@@ -11232,6 +11241,7 @@
           <a:p>
             <a:fld id="{CF502DEA-60A9-45E7-8F0A-ECB26F585F67}" type="slidenum">
               <a:rPr lang="es-CO" smtClean="0"/>
+              <a:pPr/>
               <a:t>‹#›</a:t>
             </a:fld>
             <a:endParaRPr lang="es-CO"/>
@@ -11303,6 +11313,7 @@
           <a:p>
             <a:fld id="{85507B79-53C2-4C79-923E-F46E14D93592}" type="datetimeFigureOut">
               <a:rPr lang="es-CO" smtClean="0"/>
+              <a:pPr/>
               <a:t>01/03/2010</a:t>
             </a:fld>
             <a:endParaRPr lang="es-CO"/>
@@ -11345,6 +11356,7 @@
           <a:p>
             <a:fld id="{CF502DEA-60A9-45E7-8F0A-ECB26F585F67}" type="slidenum">
               <a:rPr lang="es-CO" smtClean="0"/>
+              <a:pPr/>
               <a:t>‹#›</a:t>
             </a:fld>
             <a:endParaRPr lang="es-CO"/>
@@ -11539,6 +11551,7 @@
           <a:p>
             <a:fld id="{85507B79-53C2-4C79-923E-F46E14D93592}" type="datetimeFigureOut">
               <a:rPr lang="es-CO" smtClean="0"/>
+              <a:pPr/>
               <a:t>01/03/2010</a:t>
             </a:fld>
             <a:endParaRPr lang="es-CO"/>
@@ -11581,6 +11594,7 @@
           <a:p>
             <a:fld id="{CF502DEA-60A9-45E7-8F0A-ECB26F585F67}" type="slidenum">
               <a:rPr lang="es-CO" smtClean="0"/>
+              <a:pPr/>
               <a:t>‹#›</a:t>
             </a:fld>
             <a:endParaRPr lang="es-CO"/>
@@ -11862,6 +11876,7 @@
           <a:p>
             <a:fld id="{85507B79-53C2-4C79-923E-F46E14D93592}" type="datetimeFigureOut">
               <a:rPr lang="es-CO" smtClean="0"/>
+              <a:pPr/>
               <a:t>01/03/2010</a:t>
             </a:fld>
             <a:endParaRPr lang="es-CO"/>
@@ -11885,6 +11900,7 @@
           <a:p>
             <a:fld id="{CF502DEA-60A9-45E7-8F0A-ECB26F585F67}" type="slidenum">
               <a:rPr lang="es-CO" smtClean="0"/>
+              <a:pPr/>
               <a:t>‹#›</a:t>
             </a:fld>
             <a:endParaRPr lang="es-CO"/>
@@ -11952,6 +11968,7 @@
           <a:p>
             <a:fld id="{85507B79-53C2-4C79-923E-F46E14D93592}" type="datetimeFigureOut">
               <a:rPr lang="es-CO" smtClean="0"/>
+              <a:pPr/>
               <a:t>01/03/2010</a:t>
             </a:fld>
             <a:endParaRPr lang="es-CO"/>
@@ -11994,6 +12011,7 @@
           <a:p>
             <a:fld id="{CF502DEA-60A9-45E7-8F0A-ECB26F585F67}" type="slidenum">
               <a:rPr lang="es-CO" smtClean="0"/>
+              <a:pPr/>
               <a:t>‹#›</a:t>
             </a:fld>
             <a:endParaRPr lang="es-CO"/>
@@ -12469,6 +12487,7 @@
           <a:p>
             <a:fld id="{85507B79-53C2-4C79-923E-F46E14D93592}" type="datetimeFigureOut">
               <a:rPr lang="es-CO" smtClean="0"/>
+              <a:pPr/>
               <a:t>01/03/2010</a:t>
             </a:fld>
             <a:endParaRPr lang="es-CO"/>
@@ -12492,6 +12511,7 @@
           <a:p>
             <a:fld id="{CF502DEA-60A9-45E7-8F0A-ECB26F585F67}" type="slidenum">
               <a:rPr lang="es-CO" smtClean="0"/>
+              <a:pPr/>
               <a:t>‹#›</a:t>
             </a:fld>
             <a:endParaRPr lang="es-CO"/>
@@ -12980,6 +13000,7 @@
           <a:p>
             <a:fld id="{85507B79-53C2-4C79-923E-F46E14D93592}" type="datetimeFigureOut">
               <a:rPr lang="es-CO" smtClean="0"/>
+              <a:pPr/>
               <a:t>01/03/2010</a:t>
             </a:fld>
             <a:endParaRPr lang="es-CO"/>
@@ -13003,6 +13024,7 @@
           <a:p>
             <a:fld id="{CF502DEA-60A9-45E7-8F0A-ECB26F585F67}" type="slidenum">
               <a:rPr lang="es-CO" smtClean="0"/>
+              <a:pPr/>
               <a:t>‹#›</a:t>
             </a:fld>
             <a:endParaRPr lang="es-CO"/>
@@ -13225,6 +13247,7 @@
           <a:p>
             <a:fld id="{85507B79-53C2-4C79-923E-F46E14D93592}" type="datetimeFigureOut">
               <a:rPr lang="es-CO" smtClean="0"/>
+              <a:pPr/>
               <a:t>01/03/2010</a:t>
             </a:fld>
             <a:endParaRPr lang="es-CO"/>
@@ -13501,6 +13524,7 @@
           <a:p>
             <a:fld id="{CF502DEA-60A9-45E7-8F0A-ECB26F585F67}" type="slidenum">
               <a:rPr lang="es-CO" smtClean="0"/>
+              <a:pPr/>
               <a:t>‹#›</a:t>
             </a:fld>
             <a:endParaRPr lang="es-CO"/>
@@ -13869,11 +13893,7 @@
             </a:br>
             <a:r>
               <a:rPr lang="es-CO" dirty="0" smtClean="0"/>
-              <a:t>SOFTWARE </a:t>
-            </a:r>
-            <a:r>
-              <a:rPr lang="es-CO" dirty="0" smtClean="0"/>
-              <a:t>PROJECT MANAGEMENT PLAN</a:t>
+              <a:t>SOFTWARE PROJECT MANAGEMENT PLAN</a:t>
             </a:r>
             <a:endParaRPr lang="es-CO" dirty="0"/>
           </a:p>
@@ -14001,6 +14021,13 @@
   <p:clrMapOvr>
     <a:masterClrMapping/>
   </p:clrMapOvr>
+  <p:timing>
+    <p:tnLst>
+      <p:par>
+        <p:cTn id="1" dur="indefinite" restart="never" nodeType="tmRoot"/>
+      </p:par>
+    </p:tnLst>
+  </p:timing>
 </p:sld>
 </file>
 
@@ -14080,6 +14107,13 @@
   <p:clrMapOvr>
     <a:masterClrMapping/>
   </p:clrMapOvr>
+  <p:timing>
+    <p:tnLst>
+      <p:par>
+        <p:cTn id="1" dur="indefinite" restart="never" nodeType="tmRoot"/>
+      </p:par>
+    </p:tnLst>
+  </p:timing>
 </p:sld>
 </file>
 
@@ -14159,6 +14193,13 @@
   <p:clrMapOvr>
     <a:masterClrMapping/>
   </p:clrMapOvr>
+  <p:timing>
+    <p:tnLst>
+      <p:par>
+        <p:cTn id="1" dur="indefinite" restart="never" nodeType="tmRoot"/>
+      </p:par>
+    </p:tnLst>
+  </p:timing>
 </p:sld>
 </file>
 
@@ -14223,6 +14264,13 @@
   <p:clrMapOvr>
     <a:masterClrMapping/>
   </p:clrMapOvr>
+  <p:timing>
+    <p:tnLst>
+      <p:par>
+        <p:cTn id="1" dur="indefinite" restart="never" nodeType="tmRoot"/>
+      </p:par>
+    </p:tnLst>
+  </p:timing>
 </p:sld>
 </file>
 
@@ -14263,39 +14311,54 @@
           <a:bodyPr/>
           <a:lstStyle/>
           <a:p>
+            <a:r>
+              <a:rPr lang="es-CO" dirty="0" smtClean="0"/>
+              <a:t>CASOS DE USO </a:t>
+            </a:r>
             <a:endParaRPr lang="es-CO" dirty="0"/>
           </a:p>
         </p:txBody>
       </p:sp>
-      <p:sp>
-        <p:nvSpPr>
-          <p:cNvPr id="3" name="Content Placeholder 2"/>
-          <p:cNvSpPr>
-            <a:spLocks noGrp="1"/>
-          </p:cNvSpPr>
+      <p:pic>
+        <p:nvPicPr>
+          <p:cNvPr id="1026" name="Picture 2" descr="C:\Users\Andrea\Documents\MATERIAS\ING SOFT\PROYECTO\IngSoftRepo\Use Case Model.jpg"/>
+          <p:cNvPicPr>
+            <a:picLocks noGrp="1" noChangeAspect="1" noChangeArrowheads="1"/>
+          </p:cNvPicPr>
           <p:nvPr>
             <p:ph sz="quarter" idx="1"/>
           </p:nvPr>
-        </p:nvSpPr>
-        <p:spPr>
+        </p:nvPicPr>
+        <p:blipFill>
+          <a:blip r:embed="rId2" cstate="print"/>
+          <a:srcRect/>
+          <a:stretch>
+            <a:fillRect/>
+          </a:stretch>
+        </p:blipFill>
+        <p:spPr bwMode="auto">
           <a:xfrm>
-            <a:off x="457200" y="1142984"/>
-            <a:ext cx="7467600" cy="5330968"/>
+            <a:off x="413162" y="714356"/>
+            <a:ext cx="7805840" cy="5857892"/>
           </a:xfrm>
+          <a:prstGeom prst="rect">
+            <a:avLst/>
+          </a:prstGeom>
+          <a:noFill/>
         </p:spPr>
-        <p:txBody>
-          <a:bodyPr/>
-          <a:lstStyle/>
-          <a:p>
-            <a:endParaRPr lang="es-CO" dirty="0"/>
-          </a:p>
-        </p:txBody>
-      </p:sp>
+      </p:pic>
     </p:spTree>
   </p:cSld>
   <p:clrMapOvr>
     <a:masterClrMapping/>
   </p:clrMapOvr>
+  <p:timing>
+    <p:tnLst>
+      <p:par>
+        <p:cTn id="1" dur="indefinite" restart="never" nodeType="tmRoot"/>
+      </p:par>
+    </p:tnLst>
+  </p:timing>
 </p:sld>
 </file>
 
@@ -14377,6 +14440,13 @@
   <p:clrMapOvr>
     <a:masterClrMapping/>
   </p:clrMapOvr>
+  <p:timing>
+    <p:tnLst>
+      <p:par>
+        <p:cTn id="1" dur="indefinite" restart="never" nodeType="tmRoot"/>
+      </p:par>
+    </p:tnLst>
+  </p:timing>
 </p:sld>
 </file>
 
@@ -14477,6 +14547,13 @@
   <p:clrMapOvr>
     <a:masterClrMapping/>
   </p:clrMapOvr>
+  <p:timing>
+    <p:tnLst>
+      <p:par>
+        <p:cTn id="1" dur="indefinite" restart="never" nodeType="tmRoot"/>
+      </p:par>
+    </p:tnLst>
+  </p:timing>
 </p:sld>
 </file>
 
@@ -14556,6 +14633,13 @@
   <p:clrMapOvr>
     <a:masterClrMapping/>
   </p:clrMapOvr>
+  <p:timing>
+    <p:tnLst>
+      <p:par>
+        <p:cTn id="1" dur="indefinite" restart="never" nodeType="tmRoot"/>
+      </p:par>
+    </p:tnLst>
+  </p:timing>
 </p:sld>
 </file>
 
@@ -14635,6 +14719,13 @@
   <p:clrMapOvr>
     <a:masterClrMapping/>
   </p:clrMapOvr>
+  <p:timing>
+    <p:tnLst>
+      <p:par>
+        <p:cTn id="1" dur="indefinite" restart="never" nodeType="tmRoot"/>
+      </p:par>
+    </p:tnLst>
+  </p:timing>
 </p:sld>
 </file>
 
@@ -14719,6 +14810,13 @@
   <p:clrMapOvr>
     <a:masterClrMapping/>
   </p:clrMapOvr>
+  <p:timing>
+    <p:tnLst>
+      <p:par>
+        <p:cTn id="1" dur="indefinite" restart="never" nodeType="tmRoot"/>
+      </p:par>
+    </p:tnLst>
+  </p:timing>
 </p:sld>
 </file>
 
@@ -14798,6 +14896,13 @@
   <p:clrMapOvr>
     <a:masterClrMapping/>
   </p:clrMapOvr>
+  <p:timing>
+    <p:tnLst>
+      <p:par>
+        <p:cTn id="1" dur="indefinite" restart="never" nodeType="tmRoot"/>
+      </p:par>
+    </p:tnLst>
+  </p:timing>
 </p:sld>
 </file>
 
@@ -14877,6 +14982,13 @@
   <p:clrMapOvr>
     <a:masterClrMapping/>
   </p:clrMapOvr>
+  <p:timing>
+    <p:tnLst>
+      <p:par>
+        <p:cTn id="1" dur="indefinite" restart="never" nodeType="tmRoot"/>
+      </p:par>
+    </p:tnLst>
+  </p:timing>
 </p:sld>
 </file>
 
@@ -14956,6 +15068,13 @@
   <p:clrMapOvr>
     <a:masterClrMapping/>
   </p:clrMapOvr>
+  <p:timing>
+    <p:tnLst>
+      <p:par>
+        <p:cTn id="1" dur="indefinite" restart="never" nodeType="tmRoot"/>
+      </p:par>
+    </p:tnLst>
+  </p:timing>
 </p:sld>
 </file>
 
